--- a/1. Core Java/Day 8/Slides/27. Stacks and Queues/stacks-and-queues-slides.pptx
+++ b/1. Core Java/Day 8/Slides/27. Stacks and Queues/stacks-and-queues-slides.pptx
@@ -6589,6 +6589,10 @@
           </p:nvPr>
         </p:nvSpPr>
         <p:spPr>
+          <a:xfrm>
+            <a:off x="1641222" y="1561190"/>
+            <a:ext cx="8909555" cy="3074670"/>
+          </a:xfrm>
           <a:prstGeom prst="rect">
             <a:avLst/>
           </a:prstGeom>
@@ -6851,78 +6855,6 @@
                 <a:spcPts val="1800"/>
               </a:spcBef>
             </a:pPr>
-            <a:r>
-              <a:rPr spc="-70" dirty="0"/>
-              <a:t>Demo:</a:t>
-            </a:r>
-            <a:r>
-              <a:rPr spc="-135" dirty="0"/>
-              <a:t> </a:t>
-            </a:r>
-            <a:r>
-              <a:rPr spc="45" dirty="0"/>
-              <a:t>Contact</a:t>
-            </a:r>
-            <a:r>
-              <a:rPr spc="-135" dirty="0"/>
-              <a:t> </a:t>
-            </a:r>
-            <a:r>
-              <a:rPr dirty="0"/>
-              <a:t>Manager</a:t>
-            </a:r>
-            <a:endParaRPr dirty="0"/>
-          </a:p>
-          <a:p>
-            <a:pPr marL="4126230" indent="-290195">
-              <a:lnSpc>
-                <a:spcPct val="100000"/>
-              </a:lnSpc>
-              <a:spcBef>
-                <a:spcPts val="600"/>
-              </a:spcBef>
-              <a:buSzPct val="75000"/>
-              <a:buFont typeface="Segoe UI" panose="020B0502040204020203"/>
-              <a:buChar char="-"/>
-              <a:tabLst>
-                <a:tab pos="4126865" algn="l"/>
-                <a:tab pos="4127500" algn="l"/>
-              </a:tabLst>
-            </a:pPr>
-            <a:r>
-              <a:rPr spc="50" dirty="0"/>
-              <a:t>Undo</a:t>
-            </a:r>
-            <a:endParaRPr spc="50" dirty="0"/>
-          </a:p>
-          <a:p>
-            <a:pPr marL="4126230" indent="-290195">
-              <a:lnSpc>
-                <a:spcPct val="100000"/>
-              </a:lnSpc>
-              <a:spcBef>
-                <a:spcPts val="600"/>
-              </a:spcBef>
-              <a:buSzPct val="75000"/>
-              <a:buFont typeface="Segoe UI" panose="020B0502040204020203"/>
-              <a:buChar char="-"/>
-              <a:tabLst>
-                <a:tab pos="4126865" algn="l"/>
-                <a:tab pos="4127500" algn="l"/>
-              </a:tabLst>
-            </a:pPr>
-            <a:r>
-              <a:rPr spc="35" dirty="0"/>
-              <a:t>Flight</a:t>
-            </a:r>
-            <a:r>
-              <a:rPr spc="-195" dirty="0"/>
-              <a:t> </a:t>
-            </a:r>
-            <a:r>
-              <a:rPr spc="15" dirty="0"/>
-              <a:t>Recorder</a:t>
-            </a:r>
             <a:endParaRPr spc="15" dirty="0"/>
           </a:p>
         </p:txBody>
